--- a/trunk/soutenance arnaud.pptx
+++ b/trunk/soutenance arnaud.pptx
@@ -6,7 +6,8 @@
   </p:sldMasterIdLst>
   <p:sldIdLst>
     <p:sldId id="258" r:id="rId2"/>
-    <p:sldId id="257" r:id="rId3"/>
+    <p:sldId id="259" r:id="rId3"/>
+    <p:sldId id="257" r:id="rId4"/>
   </p:sldIdLst>
   <p:sldSz cx="9144000" cy="6858000" type="screen4x3"/>
   <p:notesSz cx="6858000" cy="9144000"/>
@@ -289,7 +290,7 @@
           <a:p>
             <a:fld id="{2D333BD6-4D29-4E9B-968C-5D129CC89010}" type="datetimeFigureOut">
               <a:rPr lang="fr-FR" smtClean="0"/>
-              <a:t>29/05/2011</a:t>
+              <a:t>30/05/2011</a:t>
             </a:fld>
             <a:endParaRPr lang="fr-FR"/>
           </a:p>
@@ -459,7 +460,7 @@
           <a:p>
             <a:fld id="{2D333BD6-4D29-4E9B-968C-5D129CC89010}" type="datetimeFigureOut">
               <a:rPr lang="fr-FR" smtClean="0"/>
-              <a:t>29/05/2011</a:t>
+              <a:t>30/05/2011</a:t>
             </a:fld>
             <a:endParaRPr lang="fr-FR"/>
           </a:p>
@@ -639,7 +640,7 @@
           <a:p>
             <a:fld id="{2D333BD6-4D29-4E9B-968C-5D129CC89010}" type="datetimeFigureOut">
               <a:rPr lang="fr-FR" smtClean="0"/>
-              <a:t>29/05/2011</a:t>
+              <a:t>30/05/2011</a:t>
             </a:fld>
             <a:endParaRPr lang="fr-FR"/>
           </a:p>
@@ -809,7 +810,7 @@
           <a:p>
             <a:fld id="{2D333BD6-4D29-4E9B-968C-5D129CC89010}" type="datetimeFigureOut">
               <a:rPr lang="fr-FR" smtClean="0"/>
-              <a:t>29/05/2011</a:t>
+              <a:t>30/05/2011</a:t>
             </a:fld>
             <a:endParaRPr lang="fr-FR"/>
           </a:p>
@@ -1055,7 +1056,7 @@
           <a:p>
             <a:fld id="{2D333BD6-4D29-4E9B-968C-5D129CC89010}" type="datetimeFigureOut">
               <a:rPr lang="fr-FR" smtClean="0"/>
-              <a:t>29/05/2011</a:t>
+              <a:t>30/05/2011</a:t>
             </a:fld>
             <a:endParaRPr lang="fr-FR"/>
           </a:p>
@@ -1343,7 +1344,7 @@
           <a:p>
             <a:fld id="{2D333BD6-4D29-4E9B-968C-5D129CC89010}" type="datetimeFigureOut">
               <a:rPr lang="fr-FR" smtClean="0"/>
-              <a:t>29/05/2011</a:t>
+              <a:t>30/05/2011</a:t>
             </a:fld>
             <a:endParaRPr lang="fr-FR"/>
           </a:p>
@@ -1765,7 +1766,7 @@
           <a:p>
             <a:fld id="{2D333BD6-4D29-4E9B-968C-5D129CC89010}" type="datetimeFigureOut">
               <a:rPr lang="fr-FR" smtClean="0"/>
-              <a:t>29/05/2011</a:t>
+              <a:t>30/05/2011</a:t>
             </a:fld>
             <a:endParaRPr lang="fr-FR"/>
           </a:p>
@@ -1883,7 +1884,7 @@
           <a:p>
             <a:fld id="{2D333BD6-4D29-4E9B-968C-5D129CC89010}" type="datetimeFigureOut">
               <a:rPr lang="fr-FR" smtClean="0"/>
-              <a:t>29/05/2011</a:t>
+              <a:t>30/05/2011</a:t>
             </a:fld>
             <a:endParaRPr lang="fr-FR"/>
           </a:p>
@@ -1978,7 +1979,7 @@
           <a:p>
             <a:fld id="{2D333BD6-4D29-4E9B-968C-5D129CC89010}" type="datetimeFigureOut">
               <a:rPr lang="fr-FR" smtClean="0"/>
-              <a:t>29/05/2011</a:t>
+              <a:t>30/05/2011</a:t>
             </a:fld>
             <a:endParaRPr lang="fr-FR"/>
           </a:p>
@@ -2255,7 +2256,7 @@
           <a:p>
             <a:fld id="{2D333BD6-4D29-4E9B-968C-5D129CC89010}" type="datetimeFigureOut">
               <a:rPr lang="fr-FR" smtClean="0"/>
-              <a:t>29/05/2011</a:t>
+              <a:t>30/05/2011</a:t>
             </a:fld>
             <a:endParaRPr lang="fr-FR"/>
           </a:p>
@@ -2508,7 +2509,7 @@
           <a:p>
             <a:fld id="{2D333BD6-4D29-4E9B-968C-5D129CC89010}" type="datetimeFigureOut">
               <a:rPr lang="fr-FR" smtClean="0"/>
-              <a:t>29/05/2011</a:t>
+              <a:t>30/05/2011</a:t>
             </a:fld>
             <a:endParaRPr lang="fr-FR"/>
           </a:p>
@@ -2721,7 +2722,7 @@
           <a:p>
             <a:fld id="{2D333BD6-4D29-4E9B-968C-5D129CC89010}" type="datetimeFigureOut">
               <a:rPr lang="fr-FR" smtClean="0"/>
-              <a:t>29/05/2011</a:t>
+              <a:t>30/05/2011</a:t>
             </a:fld>
             <a:endParaRPr lang="fr-FR"/>
           </a:p>
@@ -3136,77 +3137,50 @@
         <p:spPr/>
         <p:txBody>
           <a:bodyPr>
-            <a:normAutofit fontScale="92500" lnSpcReduction="20000"/>
+            <a:normAutofit/>
           </a:bodyPr>
           <a:lstStyle/>
           <a:p>
             <a:r>
               <a:rPr lang="fr-FR" dirty="0" smtClean="0"/>
-              <a:t>Objectifs atteints :</a:t>
-            </a:r>
+              <a:t>Retour sur les objectifs :</a:t>
+            </a:r>
+          </a:p>
+          <a:p>
+            <a:endParaRPr lang="fr-FR" dirty="0" smtClean="0"/>
           </a:p>
           <a:p>
             <a:pPr lvl="1"/>
             <a:r>
               <a:rPr lang="fr-FR" dirty="0" smtClean="0"/>
-              <a:t>Logiciel complet</a:t>
+              <a:t>Affichage de plusieurs types de cristaux en 3D</a:t>
             </a:r>
           </a:p>
           <a:p>
             <a:pPr lvl="1"/>
+            <a:endParaRPr lang="fr-FR" dirty="0" smtClean="0"/>
+          </a:p>
+          <a:p>
+            <a:pPr lvl="1"/>
             <a:r>
               <a:rPr lang="fr-FR" dirty="0" smtClean="0"/>
-              <a:t>Affichage de toutes les mailles possible</a:t>
+              <a:t>Pouvoir agir sur la camera</a:t>
             </a:r>
           </a:p>
           <a:p>
             <a:pPr lvl="1"/>
+            <a:endParaRPr lang="fr-FR" dirty="0" smtClean="0"/>
+          </a:p>
+          <a:p>
+            <a:pPr lvl="1"/>
             <a:r>
               <a:rPr lang="fr-FR" dirty="0" smtClean="0"/>
-              <a:t>3D très satisfaisante</a:t>
-            </a:r>
+              <a:t>Pouvoir afficher ces mailles 3D à l’intérieur d’un PowerPoint</a:t>
+            </a:r>
+            <a:endParaRPr lang="fr-FR" dirty="0" smtClean="0"/>
           </a:p>
           <a:p>
             <a:endParaRPr lang="fr-FR" dirty="0"/>
-          </a:p>
-          <a:p>
-            <a:r>
-              <a:rPr lang="fr-FR" dirty="0" smtClean="0"/>
-              <a:t>Ajout d’options :</a:t>
-            </a:r>
-          </a:p>
-          <a:p>
-            <a:pPr lvl="1"/>
-            <a:r>
-              <a:rPr lang="fr-FR" dirty="0" smtClean="0"/>
-              <a:t>2 types de caméra</a:t>
-            </a:r>
-          </a:p>
-          <a:p>
-            <a:pPr lvl="1"/>
-            <a:r>
-              <a:rPr lang="fr-FR" dirty="0" smtClean="0"/>
-              <a:t>Réglage de la distance à l’écran</a:t>
-            </a:r>
-          </a:p>
-          <a:p>
-            <a:pPr lvl="1"/>
-            <a:r>
-              <a:rPr lang="fr-FR" dirty="0" smtClean="0"/>
-              <a:t>Mode projecteur</a:t>
-            </a:r>
-            <a:endParaRPr lang="fr-FR" dirty="0"/>
-          </a:p>
-          <a:p>
-            <a:pPr lvl="1"/>
-            <a:r>
-              <a:rPr lang="fr-FR" dirty="0" smtClean="0"/>
-              <a:t>Réglage couleur, taille, écartement entre </a:t>
-            </a:r>
-            <a:r>
-              <a:rPr lang="fr-FR" smtClean="0"/>
-              <a:t>les atomes</a:t>
-            </a:r>
           </a:p>
         </p:txBody>
       </p:sp>
@@ -3264,6 +3238,135 @@
           <a:p>
             <a:r>
               <a:rPr lang="fr-FR" dirty="0" smtClean="0"/>
+              <a:t>Résultats</a:t>
+            </a:r>
+            <a:endParaRPr lang="fr-FR" dirty="0"/>
+          </a:p>
+        </p:txBody>
+      </p:sp>
+      <p:sp>
+        <p:nvSpPr>
+          <p:cNvPr id="3" name="Espace réservé du contenu 2"/>
+          <p:cNvSpPr>
+            <a:spLocks noGrp="1"/>
+          </p:cNvSpPr>
+          <p:nvPr>
+            <p:ph idx="1"/>
+          </p:nvPr>
+        </p:nvSpPr>
+        <p:spPr/>
+        <p:txBody>
+          <a:bodyPr/>
+          <a:lstStyle/>
+          <a:p>
+            <a:r>
+              <a:rPr lang="fr-FR" dirty="0"/>
+              <a:t>Ajout d’options </a:t>
+            </a:r>
+            <a:r>
+              <a:rPr lang="fr-FR" dirty="0" smtClean="0"/>
+              <a:t>:</a:t>
+            </a:r>
+          </a:p>
+          <a:p>
+            <a:endParaRPr lang="fr-FR" dirty="0"/>
+          </a:p>
+          <a:p>
+            <a:pPr lvl="1"/>
+            <a:r>
+              <a:rPr lang="fr-FR" dirty="0"/>
+              <a:t>Changer la </a:t>
+            </a:r>
+            <a:r>
+              <a:rPr lang="fr-FR" dirty="0" smtClean="0"/>
+              <a:t>couleur</a:t>
+            </a:r>
+          </a:p>
+          <a:p>
+            <a:pPr lvl="1"/>
+            <a:endParaRPr lang="fr-FR" dirty="0"/>
+          </a:p>
+          <a:p>
+            <a:pPr lvl="1"/>
+            <a:r>
+              <a:rPr lang="fr-FR" dirty="0"/>
+              <a:t>Régler la taille des </a:t>
+            </a:r>
+            <a:r>
+              <a:rPr lang="fr-FR" dirty="0" smtClean="0"/>
+              <a:t>atomes</a:t>
+            </a:r>
+          </a:p>
+          <a:p>
+            <a:pPr lvl="1"/>
+            <a:endParaRPr lang="fr-FR" dirty="0"/>
+          </a:p>
+          <a:p>
+            <a:pPr lvl="1"/>
+            <a:r>
+              <a:rPr lang="fr-FR" dirty="0"/>
+              <a:t>Régler l’écartement entre les atomes</a:t>
+            </a:r>
+          </a:p>
+          <a:p>
+            <a:endParaRPr lang="fr-FR" dirty="0"/>
+          </a:p>
+        </p:txBody>
+      </p:sp>
+    </p:spTree>
+    <p:extLst>
+      <p:ext uri="{BB962C8B-B14F-4D97-AF65-F5344CB8AC3E}">
+        <p14:creationId xmlns:p14="http://schemas.microsoft.com/office/powerpoint/2010/main" val="3793345626"/>
+      </p:ext>
+    </p:extLst>
+  </p:cSld>
+  <p:clrMapOvr>
+    <a:masterClrMapping/>
+  </p:clrMapOvr>
+  <p:timing>
+    <p:tnLst>
+      <p:par>
+        <p:cTn id="1" dur="indefinite" restart="never" nodeType="tmRoot"/>
+      </p:par>
+    </p:tnLst>
+  </p:timing>
+</p:sld>
+</file>
+
+<file path=ppt/slides/slide3.xml><?xml version="1.0" encoding="utf-8"?>
+<p:sld xmlns:a="http://schemas.openxmlformats.org/drawingml/2006/main" xmlns:r="http://schemas.openxmlformats.org/officeDocument/2006/relationships" xmlns:p="http://schemas.openxmlformats.org/presentationml/2006/main">
+  <p:cSld>
+    <p:spTree>
+      <p:nvGrpSpPr>
+        <p:cNvPr id="1" name=""/>
+        <p:cNvGrpSpPr/>
+        <p:nvPr/>
+      </p:nvGrpSpPr>
+      <p:grpSpPr>
+        <a:xfrm>
+          <a:off x="0" y="0"/>
+          <a:ext cx="0" cy="0"/>
+          <a:chOff x="0" y="0"/>
+          <a:chExt cx="0" cy="0"/>
+        </a:xfrm>
+      </p:grpSpPr>
+      <p:sp>
+        <p:nvSpPr>
+          <p:cNvPr id="2" name="Titre 1"/>
+          <p:cNvSpPr>
+            <a:spLocks noGrp="1"/>
+          </p:cNvSpPr>
+          <p:nvPr>
+            <p:ph type="title"/>
+          </p:nvPr>
+        </p:nvSpPr>
+        <p:spPr/>
+        <p:txBody>
+          <a:bodyPr/>
+          <a:lstStyle/>
+          <a:p>
+            <a:r>
+              <a:rPr lang="fr-FR" dirty="0" smtClean="0"/>
               <a:t>Coût du projet</a:t>
             </a:r>
             <a:endParaRPr lang="fr-FR" dirty="0"/>
@@ -3287,15 +3390,30 @@
           <a:p>
             <a:r>
               <a:rPr lang="fr-FR" dirty="0" smtClean="0"/>
-              <a:t>Achat de 100 lunettes Bleu-Rouge :</a:t>
-            </a:r>
+              <a:t>Achat de 100 lunettes Bleu-Rouge </a:t>
+            </a:r>
+            <a:r>
+              <a:rPr lang="fr-FR" dirty="0" smtClean="0"/>
+              <a:t>:</a:t>
+            </a:r>
+          </a:p>
+          <a:p>
+            <a:endParaRPr lang="fr-FR" dirty="0" smtClean="0"/>
           </a:p>
           <a:p>
             <a:pPr lvl="1"/>
             <a:r>
               <a:rPr lang="fr-FR" dirty="0" smtClean="0"/>
-              <a:t>Budget prévisionnel : 60€</a:t>
-            </a:r>
+              <a:t>Budget prévisionnel : 60</a:t>
+            </a:r>
+            <a:r>
+              <a:rPr lang="fr-FR" dirty="0" smtClean="0"/>
+              <a:t>€</a:t>
+            </a:r>
+          </a:p>
+          <a:p>
+            <a:pPr lvl="1"/>
+            <a:endParaRPr lang="fr-FR" dirty="0" smtClean="0"/>
           </a:p>
           <a:p>
             <a:pPr lvl="1"/>
